--- a/day-5-copilot-studio/day-5-copilot-studio.pptx
+++ b/day-5-copilot-studio/day-5-copilot-studio.pptx
@@ -256,7 +256,7 @@
           <a:p>
             <a:fld id="{17A98A70-FA8C-4354-959C-C70678AC9BCF}" type="datetimeFigureOut">
               <a:rPr lang="en-US" smtClean="0"/>
-              <a:t>11/21/2025</a:t>
+              <a:t>12/1/2025</a:t>
             </a:fld>
             <a:endParaRPr lang="en-US"/>
           </a:p>
@@ -528,6 +528,143 @@
   <p:cSld>
     <p:spTree>
       <p:nvGrpSpPr>
+        <p:cNvPr id="1" name=""/>
+        <p:cNvGrpSpPr/>
+        <p:nvPr/>
+      </p:nvGrpSpPr>
+      <p:grpSpPr>
+        <a:xfrm>
+          <a:off x="0" y="0"/>
+          <a:ext cx="0" cy="0"/>
+          <a:chOff x="0" y="0"/>
+          <a:chExt cx="0" cy="0"/>
+        </a:xfrm>
+      </p:grpSpPr>
+      <p:sp>
+        <p:nvSpPr>
+          <p:cNvPr id="2" name="Slide Image Placeholder 1"/>
+          <p:cNvSpPr>
+            <a:spLocks noGrp="1" noRot="1" noChangeAspect="1"/>
+          </p:cNvSpPr>
+          <p:nvPr>
+            <p:ph type="sldImg"/>
+          </p:nvPr>
+        </p:nvSpPr>
+        <p:spPr/>
+      </p:sp>
+      <p:sp>
+        <p:nvSpPr>
+          <p:cNvPr id="3" name="Notes Placeholder 2"/>
+          <p:cNvSpPr>
+            <a:spLocks noGrp="1"/>
+          </p:cNvSpPr>
+          <p:nvPr>
+            <p:ph type="body" idx="1"/>
+          </p:nvPr>
+        </p:nvSpPr>
+        <p:spPr/>
+        <p:txBody>
+          <a:bodyPr/>
+          <a:lstStyle/>
+          <a:p>
+            <a:r>
+              <a:rPr lang="en-US" dirty="0"/>
+              <a:t>Day 4 was all about taking the logic we build in Excel and making it actually </a:t>
+            </a:r>
+            <a:r>
+              <a:rPr lang="en-US" i="1" dirty="0"/>
+              <a:t>run</a:t>
+            </a:r>
+            <a:r>
+              <a:rPr lang="en-US" dirty="0"/>
+              <a:t> without us.</a:t>
+            </a:r>
+          </a:p>
+          <a:p>
+            <a:r>
+              <a:rPr lang="en-US" dirty="0"/>
+              <a:t>We started by turning normal Excel steps into Office Scripts — the repeatable, reusable version of what you already do by hand.</a:t>
+            </a:r>
+          </a:p>
+          <a:p>
+            <a:r>
+              <a:rPr lang="en-US" dirty="0"/>
+              <a:t>Then we used Power Automate to fire those scripts automatically, either on a schedule or when something happens: a file lands in a folder, a form is submitted, a report needs refreshing.</a:t>
+            </a:r>
+          </a:p>
+          <a:p>
+            <a:r>
+              <a:rPr lang="en-US" dirty="0"/>
+              <a:t>We also saw how flows push results out into the real world — Teams messages, Outlook notifications, SharePoint updates, whatever the process needs.</a:t>
+            </a:r>
+          </a:p>
+          <a:p>
+            <a:r>
+              <a:rPr lang="en-US" dirty="0"/>
+              <a:t>Together, this becomes the </a:t>
+            </a:r>
+            <a:r>
+              <a:rPr lang="en-US" b="1" dirty="0"/>
+              <a:t>execution layer</a:t>
+            </a:r>
+            <a:r>
+              <a:rPr lang="en-US" dirty="0"/>
+              <a:t>:</a:t>
+            </a:r>
+            <a:br>
+              <a:rPr lang="en-US" dirty="0"/>
+            </a:br>
+            <a:r>
+              <a:rPr lang="en-US" dirty="0"/>
+              <a:t>AI gives us insights, scripts define the steps, flows run the steps, and the business actually sees the result.</a:t>
+            </a:r>
+          </a:p>
+          <a:p>
+            <a:endParaRPr lang="en-US" dirty="0"/>
+          </a:p>
+        </p:txBody>
+      </p:sp>
+      <p:sp>
+        <p:nvSpPr>
+          <p:cNvPr id="4" name="Slide Number Placeholder 3"/>
+          <p:cNvSpPr>
+            <a:spLocks noGrp="1"/>
+          </p:cNvSpPr>
+          <p:nvPr>
+            <p:ph type="sldNum" sz="quarter" idx="5"/>
+          </p:nvPr>
+        </p:nvSpPr>
+        <p:spPr/>
+        <p:txBody>
+          <a:bodyPr/>
+          <a:lstStyle/>
+          <a:p>
+            <a:fld id="{FFB500C5-13F7-48FC-8160-C29AECF6C602}" type="slidenum">
+              <a:rPr lang="en-US" smtClean="0"/>
+              <a:t>3</a:t>
+            </a:fld>
+            <a:endParaRPr lang="en-US"/>
+          </a:p>
+        </p:txBody>
+      </p:sp>
+    </p:spTree>
+    <p:extLst>
+      <p:ext uri="{BB962C8B-B14F-4D97-AF65-F5344CB8AC3E}">
+        <p14:creationId xmlns:p14="http://schemas.microsoft.com/office/powerpoint/2010/main" val="687892035"/>
+      </p:ext>
+    </p:extLst>
+  </p:cSld>
+  <p:clrMapOvr>
+    <a:masterClrMapping/>
+  </p:clrMapOvr>
+</p:notes>
+</file>
+
+<file path=ppt/notesSlides/notesSlide2.xml><?xml version="1.0" encoding="utf-8"?>
+<p:notes xmlns:a="http://schemas.openxmlformats.org/drawingml/2006/main" xmlns:r="http://schemas.openxmlformats.org/officeDocument/2006/relationships" xmlns:p="http://schemas.openxmlformats.org/presentationml/2006/main">
+  <p:cSld>
+    <p:spTree>
+      <p:nvGrpSpPr>
         <p:cNvPr id="1" name="">
           <a:extLst>
             <a:ext uri="{FF2B5EF4-FFF2-40B4-BE49-F238E27FC236}">
@@ -646,164 +783,6 @@
     <p:extLst>
       <p:ext uri="{BB962C8B-B14F-4D97-AF65-F5344CB8AC3E}">
         <p14:creationId xmlns:p14="http://schemas.microsoft.com/office/powerpoint/2010/main" val="2699619239"/>
-      </p:ext>
-    </p:extLst>
-  </p:cSld>
-  <p:clrMapOvr>
-    <a:masterClrMapping/>
-  </p:clrMapOvr>
-</p:notes>
-</file>
-
-<file path=ppt/notesSlides/notesSlide2.xml><?xml version="1.0" encoding="utf-8"?>
-<p:notes xmlns:a="http://schemas.openxmlformats.org/drawingml/2006/main" xmlns:r="http://schemas.openxmlformats.org/officeDocument/2006/relationships" xmlns:p="http://schemas.openxmlformats.org/presentationml/2006/main">
-  <p:cSld>
-    <p:spTree>
-      <p:nvGrpSpPr>
-        <p:cNvPr id="1" name=""/>
-        <p:cNvGrpSpPr/>
-        <p:nvPr/>
-      </p:nvGrpSpPr>
-      <p:grpSpPr>
-        <a:xfrm>
-          <a:off x="0" y="0"/>
-          <a:ext cx="0" cy="0"/>
-          <a:chOff x="0" y="0"/>
-          <a:chExt cx="0" cy="0"/>
-        </a:xfrm>
-      </p:grpSpPr>
-      <p:sp>
-        <p:nvSpPr>
-          <p:cNvPr id="2" name="Slide Image Placeholder 1"/>
-          <p:cNvSpPr>
-            <a:spLocks noGrp="1" noRot="1" noChangeAspect="1"/>
-          </p:cNvSpPr>
-          <p:nvPr>
-            <p:ph type="sldImg"/>
-          </p:nvPr>
-        </p:nvSpPr>
-        <p:spPr/>
-      </p:sp>
-      <p:sp>
-        <p:nvSpPr>
-          <p:cNvPr id="3" name="Notes Placeholder 2"/>
-          <p:cNvSpPr>
-            <a:spLocks noGrp="1"/>
-          </p:cNvSpPr>
-          <p:nvPr>
-            <p:ph type="body" idx="1"/>
-          </p:nvPr>
-        </p:nvSpPr>
-        <p:spPr/>
-        <p:txBody>
-          <a:bodyPr/>
-          <a:lstStyle/>
-          <a:p>
-            <a:r>
-              <a:rPr lang="en-US" dirty="0"/>
-              <a:t>This diagram shows what an automated AI workflow looks like — a sequence of predefined steps that move from a trigger to a final output. You can think of it as a chain reaction: something starts the process, different actions happen automatically, and along the way, AI steps in to add intelligence or decision-making.</a:t>
-            </a:r>
-          </a:p>
-          <a:p>
-            <a:r>
-              <a:rPr lang="en-US" dirty="0"/>
-              <a:t>It all begins with a </a:t>
-            </a:r>
-            <a:r>
-              <a:rPr lang="en-US" b="1" dirty="0"/>
-              <a:t>trigger</a:t>
-            </a:r>
-            <a:r>
-              <a:rPr lang="en-US" dirty="0"/>
-              <a:t> — something that tells the workflow to start. In Excel or Power Automate, that could be a new row added to a table, a file uploaded to OneDrive, or even a scheduled time like “every Monday morning.” The trigger is what kicks everything off without you having to manually do anything.</a:t>
-            </a:r>
-          </a:p>
-          <a:p>
-            <a:r>
-              <a:rPr lang="en-US" dirty="0"/>
-              <a:t>Then we have </a:t>
-            </a:r>
-            <a:r>
-              <a:rPr lang="en-US" b="1" dirty="0"/>
-              <a:t>Step 1</a:t>
-            </a:r>
-            <a:r>
-              <a:rPr lang="en-US" dirty="0"/>
-              <a:t>, which is often a preparation step. Maybe it’s collecting the data, formatting it, or sending it into Excel. This could be where Power Automate connects to a SharePoint list, a form submission, or a Teams message and feeds that data into your workbook.</a:t>
-            </a:r>
-          </a:p>
-          <a:p>
-            <a:r>
-              <a:rPr lang="en-US" dirty="0"/>
-              <a:t>Next comes the </a:t>
-            </a:r>
-            <a:r>
-              <a:rPr lang="en-US" b="1" dirty="0"/>
-              <a:t>AI Step</a:t>
-            </a:r>
-            <a:r>
-              <a:rPr lang="en-US" dirty="0"/>
-              <a:t> — this is where Copilot or another AI model gets involved. This could be an AI Builder action inside Power Automate that summarizes text, classifies feedback, or extracts key details from a document. Or it might be Copilot inside Excel generating a formula, building a chart, or explaining data patterns automatically. The AI step takes what used to be manual analysis and turns it into an automated, intelligent action.</a:t>
-            </a:r>
-          </a:p>
-          <a:p>
-            <a:r>
-              <a:rPr lang="en-US" dirty="0"/>
-              <a:t>After that, there can be more steps — maybe sending results back to Excel, notifying someone in Teams, or updating a dashboard. Each step builds on the last, flowing seamlessly without human intervention.</a:t>
-            </a:r>
-          </a:p>
-          <a:p>
-            <a:r>
-              <a:rPr lang="en-US" dirty="0"/>
-              <a:t>Finally, we reach the </a:t>
-            </a:r>
-            <a:r>
-              <a:rPr lang="en-US" b="1" dirty="0"/>
-              <a:t>output</a:t>
-            </a:r>
-            <a:r>
-              <a:rPr lang="en-US" dirty="0"/>
-              <a:t>, which is the end goal of the automation. That might be a refreshed Excel report, an email summary, or a new dataset ready for review. The beauty of it is that the whole process runs automatically once it’s designed — no constant copying, pasting, or checking formulas.</a:t>
-            </a:r>
-          </a:p>
-          <a:p>
-            <a:r>
-              <a:rPr lang="en-US" dirty="0"/>
-              <a:t>So, in short, this kind of workflow connects automation tools like Power Automate with AI capabilities from Copilot or AI Builder to take everyday Excel tasks — things like reporting, data cleaning, or summarizing — and turn them into intelligent, repeatable processes.</a:t>
-            </a:r>
-          </a:p>
-          <a:p>
-            <a:endParaRPr lang="en-US" dirty="0"/>
-          </a:p>
-        </p:txBody>
-      </p:sp>
-      <p:sp>
-        <p:nvSpPr>
-          <p:cNvPr id="4" name="Slide Number Placeholder 3"/>
-          <p:cNvSpPr>
-            <a:spLocks noGrp="1"/>
-          </p:cNvSpPr>
-          <p:nvPr>
-            <p:ph type="sldNum" sz="quarter" idx="5"/>
-          </p:nvPr>
-        </p:nvSpPr>
-        <p:spPr/>
-        <p:txBody>
-          <a:bodyPr/>
-          <a:lstStyle/>
-          <a:p>
-            <a:fld id="{FFB500C5-13F7-48FC-8160-C29AECF6C602}" type="slidenum">
-              <a:rPr lang="en-US" smtClean="0"/>
-              <a:t>6</a:t>
-            </a:fld>
-            <a:endParaRPr lang="en-US"/>
-          </a:p>
-        </p:txBody>
-      </p:sp>
-    </p:spTree>
-    <p:extLst>
-      <p:ext uri="{BB962C8B-B14F-4D97-AF65-F5344CB8AC3E}">
-        <p14:creationId xmlns:p14="http://schemas.microsoft.com/office/powerpoint/2010/main" val="4064505773"/>
       </p:ext>
     </p:extLst>
   </p:cSld>
@@ -859,6 +838,164 @@
           <a:p>
             <a:r>
               <a:rPr lang="en-US" dirty="0"/>
+              <a:t>This diagram shows what an automated AI workflow looks like — a sequence of predefined steps that move from a trigger to a final output. You can think of it as a chain reaction: something starts the process, different actions happen automatically, and along the way, AI steps in to add intelligence or decision-making.</a:t>
+            </a:r>
+          </a:p>
+          <a:p>
+            <a:r>
+              <a:rPr lang="en-US" dirty="0"/>
+              <a:t>It all begins with a </a:t>
+            </a:r>
+            <a:r>
+              <a:rPr lang="en-US" b="1" dirty="0"/>
+              <a:t>trigger</a:t>
+            </a:r>
+            <a:r>
+              <a:rPr lang="en-US" dirty="0"/>
+              <a:t> — something that tells the workflow to start. In Excel or Power Automate, that could be a new row added to a table, a file uploaded to OneDrive, or even a scheduled time like “every Monday morning.” The trigger is what kicks everything off without you having to manually do anything.</a:t>
+            </a:r>
+          </a:p>
+          <a:p>
+            <a:r>
+              <a:rPr lang="en-US" dirty="0"/>
+              <a:t>Then we have </a:t>
+            </a:r>
+            <a:r>
+              <a:rPr lang="en-US" b="1" dirty="0"/>
+              <a:t>Step 1</a:t>
+            </a:r>
+            <a:r>
+              <a:rPr lang="en-US" dirty="0"/>
+              <a:t>, which is often a preparation step. Maybe it’s collecting the data, formatting it, or sending it into Excel. This could be where Power Automate connects to a SharePoint list, a form submission, or a Teams message and feeds that data into your workbook.</a:t>
+            </a:r>
+          </a:p>
+          <a:p>
+            <a:r>
+              <a:rPr lang="en-US" dirty="0"/>
+              <a:t>Next comes the </a:t>
+            </a:r>
+            <a:r>
+              <a:rPr lang="en-US" b="1" dirty="0"/>
+              <a:t>AI Step</a:t>
+            </a:r>
+            <a:r>
+              <a:rPr lang="en-US" dirty="0"/>
+              <a:t> — this is where Copilot or another AI model gets involved. This could be an AI Builder action inside Power Automate that summarizes text, classifies feedback, or extracts key details from a document. Or it might be Copilot inside Excel generating a formula, building a chart, or explaining data patterns automatically. The AI step takes what used to be manual analysis and turns it into an automated, intelligent action.</a:t>
+            </a:r>
+          </a:p>
+          <a:p>
+            <a:r>
+              <a:rPr lang="en-US" dirty="0"/>
+              <a:t>After that, there can be more steps — maybe sending results back to Excel, notifying someone in Teams, or updating a dashboard. Each step builds on the last, flowing seamlessly without human intervention.</a:t>
+            </a:r>
+          </a:p>
+          <a:p>
+            <a:r>
+              <a:rPr lang="en-US" dirty="0"/>
+              <a:t>Finally, we reach the </a:t>
+            </a:r>
+            <a:r>
+              <a:rPr lang="en-US" b="1" dirty="0"/>
+              <a:t>output</a:t>
+            </a:r>
+            <a:r>
+              <a:rPr lang="en-US" dirty="0"/>
+              <a:t>, which is the end goal of the automation. That might be a refreshed Excel report, an email summary, or a new dataset ready for review. The beauty of it is that the whole process runs automatically once it’s designed — no constant copying, pasting, or checking formulas.</a:t>
+            </a:r>
+          </a:p>
+          <a:p>
+            <a:r>
+              <a:rPr lang="en-US" dirty="0"/>
+              <a:t>So, in short, this kind of workflow connects automation tools like Power Automate with AI capabilities from Copilot or AI Builder to take everyday Excel tasks — things like reporting, data cleaning, or summarizing — and turn them into intelligent, repeatable processes.</a:t>
+            </a:r>
+          </a:p>
+          <a:p>
+            <a:endParaRPr lang="en-US" dirty="0"/>
+          </a:p>
+        </p:txBody>
+      </p:sp>
+      <p:sp>
+        <p:nvSpPr>
+          <p:cNvPr id="4" name="Slide Number Placeholder 3"/>
+          <p:cNvSpPr>
+            <a:spLocks noGrp="1"/>
+          </p:cNvSpPr>
+          <p:nvPr>
+            <p:ph type="sldNum" sz="quarter" idx="5"/>
+          </p:nvPr>
+        </p:nvSpPr>
+        <p:spPr/>
+        <p:txBody>
+          <a:bodyPr/>
+          <a:lstStyle/>
+          <a:p>
+            <a:fld id="{FFB500C5-13F7-48FC-8160-C29AECF6C602}" type="slidenum">
+              <a:rPr lang="en-US" smtClean="0"/>
+              <a:t>6</a:t>
+            </a:fld>
+            <a:endParaRPr lang="en-US"/>
+          </a:p>
+        </p:txBody>
+      </p:sp>
+    </p:spTree>
+    <p:extLst>
+      <p:ext uri="{BB962C8B-B14F-4D97-AF65-F5344CB8AC3E}">
+        <p14:creationId xmlns:p14="http://schemas.microsoft.com/office/powerpoint/2010/main" val="4064505773"/>
+      </p:ext>
+    </p:extLst>
+  </p:cSld>
+  <p:clrMapOvr>
+    <a:masterClrMapping/>
+  </p:clrMapOvr>
+</p:notes>
+</file>
+
+<file path=ppt/notesSlides/notesSlide4.xml><?xml version="1.0" encoding="utf-8"?>
+<p:notes xmlns:a="http://schemas.openxmlformats.org/drawingml/2006/main" xmlns:r="http://schemas.openxmlformats.org/officeDocument/2006/relationships" xmlns:p="http://schemas.openxmlformats.org/presentationml/2006/main">
+  <p:cSld>
+    <p:spTree>
+      <p:nvGrpSpPr>
+        <p:cNvPr id="1" name=""/>
+        <p:cNvGrpSpPr/>
+        <p:nvPr/>
+      </p:nvGrpSpPr>
+      <p:grpSpPr>
+        <a:xfrm>
+          <a:off x="0" y="0"/>
+          <a:ext cx="0" cy="0"/>
+          <a:chOff x="0" y="0"/>
+          <a:chExt cx="0" cy="0"/>
+        </a:xfrm>
+      </p:grpSpPr>
+      <p:sp>
+        <p:nvSpPr>
+          <p:cNvPr id="2" name="Slide Image Placeholder 1"/>
+          <p:cNvSpPr>
+            <a:spLocks noGrp="1" noRot="1" noChangeAspect="1"/>
+          </p:cNvSpPr>
+          <p:nvPr>
+            <p:ph type="sldImg"/>
+          </p:nvPr>
+        </p:nvSpPr>
+        <p:spPr/>
+      </p:sp>
+      <p:sp>
+        <p:nvSpPr>
+          <p:cNvPr id="3" name="Notes Placeholder 2"/>
+          <p:cNvSpPr>
+            <a:spLocks noGrp="1"/>
+          </p:cNvSpPr>
+          <p:nvPr>
+            <p:ph type="body" idx="1"/>
+          </p:nvPr>
+        </p:nvSpPr>
+        <p:spPr/>
+        <p:txBody>
+          <a:bodyPr/>
+          <a:lstStyle/>
+          <a:p>
+            <a:r>
+              <a:rPr lang="en-US" dirty="0"/>
               <a:t>This diagram shows the core idea behind an agentic workflow. Everything starts with a trigger. That could be a scheduled time, a user action, an event in another system, or even a message. Once the trigger fires, control passes to the AI </a:t>
             </a:r>
             <a:r>
@@ -924,7 +1061,7 @@
 </p:notes>
 </file>
 
-<file path=ppt/notesSlides/notesSlide4.xml><?xml version="1.0" encoding="utf-8"?>
+<file path=ppt/notesSlides/notesSlide5.xml><?xml version="1.0" encoding="utf-8"?>
 <p:notes xmlns:a="http://schemas.openxmlformats.org/drawingml/2006/main" xmlns:r="http://schemas.openxmlformats.org/officeDocument/2006/relationships" xmlns:p="http://schemas.openxmlformats.org/presentationml/2006/main">
   <p:cSld>
     <p:spTree>
@@ -1056,7 +1193,152 @@
 </p:notes>
 </file>
 
-<file path=ppt/notesSlides/notesSlide5.xml><?xml version="1.0" encoding="utf-8"?>
+<file path=ppt/notesSlides/notesSlide6.xml><?xml version="1.0" encoding="utf-8"?>
+<p:notes xmlns:a="http://schemas.openxmlformats.org/drawingml/2006/main" xmlns:r="http://schemas.openxmlformats.org/officeDocument/2006/relationships" xmlns:p="http://schemas.openxmlformats.org/presentationml/2006/main">
+  <p:cSld>
+    <p:spTree>
+      <p:nvGrpSpPr>
+        <p:cNvPr id="1" name=""/>
+        <p:cNvGrpSpPr/>
+        <p:nvPr/>
+      </p:nvGrpSpPr>
+      <p:grpSpPr>
+        <a:xfrm>
+          <a:off x="0" y="0"/>
+          <a:ext cx="0" cy="0"/>
+          <a:chOff x="0" y="0"/>
+          <a:chExt cx="0" cy="0"/>
+        </a:xfrm>
+      </p:grpSpPr>
+      <p:sp>
+        <p:nvSpPr>
+          <p:cNvPr id="2" name="Slide Image Placeholder 1"/>
+          <p:cNvSpPr>
+            <a:spLocks noGrp="1" noRot="1" noChangeAspect="1"/>
+          </p:cNvSpPr>
+          <p:nvPr>
+            <p:ph type="sldImg"/>
+          </p:nvPr>
+        </p:nvSpPr>
+        <p:spPr/>
+      </p:sp>
+      <p:sp>
+        <p:nvSpPr>
+          <p:cNvPr id="3" name="Notes Placeholder 2"/>
+          <p:cNvSpPr>
+            <a:spLocks noGrp="1"/>
+          </p:cNvSpPr>
+          <p:nvPr>
+            <p:ph type="body" idx="1"/>
+          </p:nvPr>
+        </p:nvSpPr>
+        <p:spPr/>
+        <p:txBody>
+          <a:bodyPr/>
+          <a:lstStyle/>
+          <a:p>
+            <a:r>
+              <a:rPr lang="en-US" dirty="0"/>
+              <a:t>Today is where everything from Days 1–4 comes together.</a:t>
+            </a:r>
+            <a:br>
+              <a:rPr lang="en-US" dirty="0"/>
+            </a:br>
+            <a:r>
+              <a:rPr lang="en-US" dirty="0"/>
+              <a:t>We’re not just using Copilot anymore — we’re turning the whole stack into a </a:t>
+            </a:r>
+            <a:r>
+              <a:rPr lang="en-US" b="1" dirty="0"/>
+              <a:t>working AI assistant</a:t>
+            </a:r>
+            <a:r>
+              <a:rPr lang="en-US" dirty="0"/>
+              <a:t>.</a:t>
+            </a:r>
+          </a:p>
+          <a:p>
+            <a:r>
+              <a:rPr lang="en-US" dirty="0"/>
+              <a:t>You’ll see how to build copilots that run multi-step workflows across Excel, Teams, and Power Automate, using the scripts and flows you already created.</a:t>
+            </a:r>
+          </a:p>
+          <a:p>
+            <a:r>
+              <a:rPr lang="en-US" dirty="0"/>
+              <a:t>All that logic becomes </a:t>
+            </a:r>
+            <a:r>
+              <a:rPr lang="en-US" b="1" dirty="0"/>
+              <a:t>reusable actions</a:t>
+            </a:r>
+            <a:r>
+              <a:rPr lang="en-US" dirty="0"/>
+              <a:t> your Copilot can call on demand, so anyone on your team can trigger a full workflow without knowing how it works underneath.</a:t>
+            </a:r>
+          </a:p>
+          <a:p>
+            <a:r>
+              <a:rPr lang="en-US" dirty="0"/>
+              <a:t>And with agents, those workflows can even stay “always on,” monitoring for changes and responding automatically.</a:t>
+            </a:r>
+          </a:p>
+          <a:p>
+            <a:r>
+              <a:rPr lang="en-US" dirty="0"/>
+              <a:t>This is the shift from AI giving you answers… to AI actually </a:t>
+            </a:r>
+            <a:r>
+              <a:rPr lang="en-US" b="1" dirty="0"/>
+              <a:t>getting work done for you</a:t>
+            </a:r>
+            <a:r>
+              <a:rPr lang="en-US" dirty="0"/>
+              <a:t>.</a:t>
+            </a:r>
+          </a:p>
+          <a:p>
+            <a:endParaRPr lang="en-US" dirty="0"/>
+          </a:p>
+        </p:txBody>
+      </p:sp>
+      <p:sp>
+        <p:nvSpPr>
+          <p:cNvPr id="4" name="Slide Number Placeholder 3"/>
+          <p:cNvSpPr>
+            <a:spLocks noGrp="1"/>
+          </p:cNvSpPr>
+          <p:nvPr>
+            <p:ph type="sldNum" sz="quarter" idx="5"/>
+          </p:nvPr>
+        </p:nvSpPr>
+        <p:spPr/>
+        <p:txBody>
+          <a:bodyPr/>
+          <a:lstStyle/>
+          <a:p>
+            <a:fld id="{FFB500C5-13F7-48FC-8160-C29AECF6C602}" type="slidenum">
+              <a:rPr lang="en-US" smtClean="0"/>
+              <a:t>9</a:t>
+            </a:fld>
+            <a:endParaRPr lang="en-US"/>
+          </a:p>
+        </p:txBody>
+      </p:sp>
+    </p:spTree>
+    <p:extLst>
+      <p:ext uri="{BB962C8B-B14F-4D97-AF65-F5344CB8AC3E}">
+        <p14:creationId xmlns:p14="http://schemas.microsoft.com/office/powerpoint/2010/main" val="3888863835"/>
+      </p:ext>
+    </p:extLst>
+  </p:cSld>
+  <p:clrMapOvr>
+    <a:masterClrMapping/>
+  </p:clrMapOvr>
+</p:notes>
+</file>
+
+<file path=ppt/notesSlides/notesSlide7.xml><?xml version="1.0" encoding="utf-8"?>
 <p:notes xmlns:a="http://schemas.openxmlformats.org/drawingml/2006/main" xmlns:r="http://schemas.openxmlformats.org/officeDocument/2006/relationships" xmlns:p="http://schemas.openxmlformats.org/presentationml/2006/main">
   <p:cSld>
     <p:spTree>
@@ -1323,7 +1605,7 @@
             <a:fld id="{1D8BD707-D9CF-40AE-B4C6-C98DA3205C09}" type="datetimeFigureOut">
               <a:rPr lang="en-US" smtClean="0"/>
               <a:pPr/>
-              <a:t>11/21/2025</a:t>
+              <a:t>12/1/2025</a:t>
             </a:fld>
             <a:endParaRPr lang="en-US"/>
           </a:p>
@@ -1488,7 +1770,7 @@
             <a:fld id="{1D8BD707-D9CF-40AE-B4C6-C98DA3205C09}" type="datetimeFigureOut">
               <a:rPr lang="en-US" smtClean="0"/>
               <a:pPr/>
-              <a:t>11/21/2025</a:t>
+              <a:t>12/1/2025</a:t>
             </a:fld>
             <a:endParaRPr lang="en-US"/>
           </a:p>
@@ -1663,7 +1945,7 @@
             <a:fld id="{1D8BD707-D9CF-40AE-B4C6-C98DA3205C09}" type="datetimeFigureOut">
               <a:rPr lang="en-US" smtClean="0"/>
               <a:pPr/>
-              <a:t>11/21/2025</a:t>
+              <a:t>12/1/2025</a:t>
             </a:fld>
             <a:endParaRPr lang="en-US"/>
           </a:p>
@@ -1828,7 +2110,7 @@
             <a:fld id="{1D8BD707-D9CF-40AE-B4C6-C98DA3205C09}" type="datetimeFigureOut">
               <a:rPr lang="en-US" smtClean="0"/>
               <a:pPr/>
-              <a:t>11/21/2025</a:t>
+              <a:t>12/1/2025</a:t>
             </a:fld>
             <a:endParaRPr lang="en-US"/>
           </a:p>
@@ -2070,7 +2352,7 @@
             <a:fld id="{1D8BD707-D9CF-40AE-B4C6-C98DA3205C09}" type="datetimeFigureOut">
               <a:rPr lang="en-US" smtClean="0"/>
               <a:pPr/>
-              <a:t>11/21/2025</a:t>
+              <a:t>12/1/2025</a:t>
             </a:fld>
             <a:endParaRPr lang="en-US"/>
           </a:p>
@@ -2352,7 +2634,7 @@
             <a:fld id="{1D8BD707-D9CF-40AE-B4C6-C98DA3205C09}" type="datetimeFigureOut">
               <a:rPr lang="en-US" smtClean="0"/>
               <a:pPr/>
-              <a:t>11/21/2025</a:t>
+              <a:t>12/1/2025</a:t>
             </a:fld>
             <a:endParaRPr lang="en-US"/>
           </a:p>
@@ -2768,7 +3050,7 @@
             <a:fld id="{1D8BD707-D9CF-40AE-B4C6-C98DA3205C09}" type="datetimeFigureOut">
               <a:rPr lang="en-US" smtClean="0"/>
               <a:pPr/>
-              <a:t>11/21/2025</a:t>
+              <a:t>12/1/2025</a:t>
             </a:fld>
             <a:endParaRPr lang="en-US"/>
           </a:p>
@@ -2882,7 +3164,7 @@
             <a:fld id="{1D8BD707-D9CF-40AE-B4C6-C98DA3205C09}" type="datetimeFigureOut">
               <a:rPr lang="en-US" smtClean="0"/>
               <a:pPr/>
-              <a:t>11/21/2025</a:t>
+              <a:t>12/1/2025</a:t>
             </a:fld>
             <a:endParaRPr lang="en-US"/>
           </a:p>
@@ -2974,7 +3256,7 @@
             <a:fld id="{1D8BD707-D9CF-40AE-B4C6-C98DA3205C09}" type="datetimeFigureOut">
               <a:rPr lang="en-US" smtClean="0"/>
               <a:pPr/>
-              <a:t>11/21/2025</a:t>
+              <a:t>12/1/2025</a:t>
             </a:fld>
             <a:endParaRPr lang="en-US"/>
           </a:p>
@@ -3246,7 +3528,7 @@
             <a:fld id="{1D8BD707-D9CF-40AE-B4C6-C98DA3205C09}" type="datetimeFigureOut">
               <a:rPr lang="en-US" smtClean="0"/>
               <a:pPr/>
-              <a:t>11/21/2025</a:t>
+              <a:t>12/1/2025</a:t>
             </a:fld>
             <a:endParaRPr lang="en-US"/>
           </a:p>
@@ -3495,7 +3777,7 @@
             <a:fld id="{1D8BD707-D9CF-40AE-B4C6-C98DA3205C09}" type="datetimeFigureOut">
               <a:rPr lang="en-US" smtClean="0"/>
               <a:pPr/>
-              <a:t>11/21/2025</a:t>
+              <a:t>12/1/2025</a:t>
             </a:fld>
             <a:endParaRPr lang="en-US"/>
           </a:p>
@@ -3708,7 +3990,7 @@
             <a:fld id="{1D8BD707-D9CF-40AE-B4C6-C98DA3205C09}" type="datetimeFigureOut">
               <a:rPr lang="en-US" smtClean="0"/>
               <a:pPr/>
-              <a:t>11/21/2025</a:t>
+              <a:t>12/1/2025</a:t>
             </a:fld>
             <a:endParaRPr lang="en-US"/>
           </a:p>
@@ -5288,7 +5570,7 @@
         <p:spPr>
           <a:xfrm>
             <a:off x="520861" y="2095500"/>
-            <a:ext cx="14393120" cy="5078313"/>
+            <a:ext cx="14393120" cy="5909310"/>
           </a:xfrm>
           <a:prstGeom prst="rect">
             <a:avLst/>
@@ -5315,7 +5597,7 @@
                 </a:solidFill>
                 <a:latin typeface="Pragmatica" panose="020B0403040502020204" pitchFamily="34" charset="0"/>
               </a:rPr>
-              <a:t>Copilot for formulas, charts, and insights</a:t>
+              <a:t>Turned Excel steps into reusable Office Scripts</a:t>
             </a:r>
           </a:p>
           <a:p>
@@ -5333,7 +5615,7 @@
                 </a:solidFill>
                 <a:latin typeface="Pragmatica" panose="020B0403040502020204" pitchFamily="34" charset="0"/>
               </a:rPr>
-              <a:t>Python for analysis and forecasting</a:t>
+              <a:t>Used Power Automate to run them on schedules or triggers</a:t>
             </a:r>
           </a:p>
           <a:p>
@@ -5351,7 +5633,7 @@
                 </a:solidFill>
                 <a:latin typeface="Pragmatica" panose="020B0403040502020204" pitchFamily="34" charset="0"/>
               </a:rPr>
-              <a:t>Agent Mode for multi step tasks</a:t>
+              <a:t>Connected Excel to Teams, Outlook, SharePoint, and other systems</a:t>
             </a:r>
           </a:p>
           <a:p>
@@ -5369,25 +5651,7 @@
                 </a:solidFill>
                 <a:latin typeface="Pragmatica" panose="020B0403040502020204" pitchFamily="34" charset="0"/>
               </a:rPr>
-              <a:t>Excel is now an intelligent workspace</a:t>
-            </a:r>
-          </a:p>
-          <a:p>
-            <a:pPr marL="685800" indent="-685800">
-              <a:buClr>
-                <a:srgbClr val="CF3338"/>
-              </a:buClr>
-              <a:buFont typeface="Arial" panose="020B0604020202020204" pitchFamily="34" charset="0"/>
-              <a:buChar char="•"/>
-            </a:pPr>
-            <a:r>
-              <a:rPr lang="en-US" sz="5400" dirty="0">
-                <a:solidFill>
-                  <a:srgbClr val="707070"/>
-                </a:solidFill>
-                <a:latin typeface="Pragmatica" panose="020B0403040502020204" pitchFamily="34" charset="0"/>
-              </a:rPr>
-              <a:t>But so what: how do you get data in, get results out, and connect it all?</a:t>
+              <a:t>Built the execution layer: AI → Scripted logic → automated Flows → real business actions.</a:t>
             </a:r>
           </a:p>
         </p:txBody>
@@ -5407,7 +5671,7 @@
           <p:nvPr/>
         </p:nvPicPr>
         <p:blipFill>
-          <a:blip r:embed="rId2">
+          <a:blip r:embed="rId3">
             <a:extLst>
               <a:ext uri="{28A0092B-C50C-407E-A947-70E740481C1C}">
                 <a14:useLocalDpi xmlns:a14="http://schemas.microsoft.com/office/drawing/2010/main" val="0"/>
@@ -6875,7 +7139,7 @@
           <p:nvPr/>
         </p:nvPicPr>
         <p:blipFill>
-          <a:blip r:embed="rId2">
+          <a:blip r:embed="rId3">
             <a:extLst>
               <a:ext uri="{28A0092B-C50C-407E-A947-70E740481C1C}">
                 <a14:useLocalDpi xmlns:a14="http://schemas.microsoft.com/office/drawing/2010/main" val="0"/>
